--- a/slides/BLAST.pptx
+++ b/slides/BLAST.pptx
@@ -1902,7 +1902,7 @@
           </a:ln>
           <a:extLst>
             <a:ext uri="{C572A759-6A51-4108-AA02-DFA0A04FC94B}">
-              <ma14:wrappingTextBoxFlag xmlns:ma14="http://schemas.microsoft.com/office/mac/drawingml/2011/main" xmlns="" val="1"/>
+              <ma14:wrappingTextBoxFlag xmlns="" xmlns:ma14="http://schemas.microsoft.com/office/mac/drawingml/2011/main" val="1"/>
             </a:ext>
           </a:extLst>
         </p:spPr>
@@ -1939,7 +1939,7 @@
           </a:ln>
           <a:extLst>
             <a:ext uri="{C572A759-6A51-4108-AA02-DFA0A04FC94B}">
-              <ma14:wrappingTextBoxFlag xmlns:ma14="http://schemas.microsoft.com/office/mac/drawingml/2011/main" xmlns="" val="1"/>
+              <ma14:wrappingTextBoxFlag xmlns="" xmlns:ma14="http://schemas.microsoft.com/office/mac/drawingml/2011/main" val="1"/>
             </a:ext>
           </a:extLst>
         </p:spPr>
@@ -3072,7 +3072,7 @@
           <a:p>
             <a:r>
               <a:rPr lang="en-US" dirty="0"/>
-              <a:t>April 17, 2018</a:t>
+              <a:t>April 16, 2019</a:t>
             </a:r>
           </a:p>
           <a:p>
@@ -3710,7 +3710,7 @@
           <a:ln w="12700"/>
           <a:extLst>
             <a:ext uri="{C572A759-6A51-4108-AA02-DFA0A04FC94B}">
-              <ma14:wrappingTextBoxFlag xmlns:ma14="http://schemas.microsoft.com/office/mac/drawingml/2011/main" xmlns="" val="1"/>
+              <ma14:wrappingTextBoxFlag xmlns="" xmlns:ma14="http://schemas.microsoft.com/office/mac/drawingml/2011/main" val="1"/>
             </a:ext>
           </a:extLst>
         </p:spPr>
@@ -3785,7 +3785,7 @@
           <a:ln w="12700"/>
           <a:extLst>
             <a:ext uri="{C572A759-6A51-4108-AA02-DFA0A04FC94B}">
-              <ma14:wrappingTextBoxFlag xmlns:ma14="http://schemas.microsoft.com/office/mac/drawingml/2011/main" xmlns="" val="1"/>
+              <ma14:wrappingTextBoxFlag xmlns="" xmlns:ma14="http://schemas.microsoft.com/office/mac/drawingml/2011/main" val="1"/>
             </a:ext>
           </a:extLst>
         </p:spPr>
@@ -3943,7 +3943,7 @@
           <a:ln w="12700"/>
           <a:extLst>
             <a:ext uri="{C572A759-6A51-4108-AA02-DFA0A04FC94B}">
-              <ma14:wrappingTextBoxFlag xmlns:ma14="http://schemas.microsoft.com/office/mac/drawingml/2011/main" xmlns="" val="1"/>
+              <ma14:wrappingTextBoxFlag xmlns="" xmlns:ma14="http://schemas.microsoft.com/office/mac/drawingml/2011/main" val="1"/>
             </a:ext>
           </a:extLst>
         </p:spPr>
@@ -4020,7 +4020,7 @@
           <a:ln w="12700"/>
           <a:extLst>
             <a:ext uri="{C572A759-6A51-4108-AA02-DFA0A04FC94B}">
-              <ma14:wrappingTextBoxFlag xmlns:ma14="http://schemas.microsoft.com/office/mac/drawingml/2011/main" xmlns="" val="1"/>
+              <ma14:wrappingTextBoxFlag xmlns="" xmlns:ma14="http://schemas.microsoft.com/office/mac/drawingml/2011/main" val="1"/>
             </a:ext>
           </a:extLst>
         </p:spPr>
@@ -4097,7 +4097,7 @@
           <a:ln w="12700"/>
           <a:extLst>
             <a:ext uri="{C572A759-6A51-4108-AA02-DFA0A04FC94B}">
-              <ma14:wrappingTextBoxFlag xmlns:ma14="http://schemas.microsoft.com/office/mac/drawingml/2011/main" xmlns="" val="1"/>
+              <ma14:wrappingTextBoxFlag xmlns="" xmlns:ma14="http://schemas.microsoft.com/office/mac/drawingml/2011/main" val="1"/>
             </a:ext>
           </a:extLst>
         </p:spPr>
@@ -4913,7 +4913,7 @@
           </a:ln>
           <a:extLst>
             <a:ext uri="{C572A759-6A51-4108-AA02-DFA0A04FC94B}">
-              <ma14:wrappingTextBoxFlag xmlns:ma14="http://schemas.microsoft.com/office/mac/drawingml/2011/main" xmlns="" val="1"/>
+              <ma14:wrappingTextBoxFlag xmlns="" xmlns:ma14="http://schemas.microsoft.com/office/mac/drawingml/2011/main" val="1"/>
             </a:ext>
           </a:extLst>
         </p:spPr>
@@ -5585,7 +5585,7 @@
           </a:ln>
           <a:extLst>
             <a:ext uri="{C572A759-6A51-4108-AA02-DFA0A04FC94B}">
-              <ma14:wrappingTextBoxFlag xmlns:ma14="http://schemas.microsoft.com/office/mac/drawingml/2011/main" xmlns="" val="1"/>
+              <ma14:wrappingTextBoxFlag xmlns="" xmlns:ma14="http://schemas.microsoft.com/office/mac/drawingml/2011/main" val="1"/>
             </a:ext>
           </a:extLst>
         </p:spPr>
@@ -5931,7 +5931,7 @@
           </a:ln>
           <a:extLst>
             <a:ext uri="{C572A759-6A51-4108-AA02-DFA0A04FC94B}">
-              <ma14:wrappingTextBoxFlag xmlns:ma14="http://schemas.microsoft.com/office/mac/drawingml/2011/main" xmlns="" val="1"/>
+              <ma14:wrappingTextBoxFlag xmlns="" xmlns:ma14="http://schemas.microsoft.com/office/mac/drawingml/2011/main" val="1"/>
             </a:ext>
           </a:extLst>
         </p:spPr>
@@ -6057,7 +6057,7 @@
             </a:ln>
             <a:extLst>
               <a:ext uri="{C572A759-6A51-4108-AA02-DFA0A04FC94B}">
-                <ma14:wrappingTextBoxFlag xmlns:ma14="http://schemas.microsoft.com/office/mac/drawingml/2011/main" xmlns="" val="1"/>
+                <ma14:wrappingTextBoxFlag xmlns="" xmlns:ma14="http://schemas.microsoft.com/office/mac/drawingml/2011/main" val="1"/>
               </a:ext>
             </a:extLst>
           </p:spPr>
@@ -7090,7 +7090,7 @@
           </a:ln>
           <a:extLst>
             <a:ext uri="{C572A759-6A51-4108-AA02-DFA0A04FC94B}">
-              <ma14:wrappingTextBoxFlag xmlns:ma14="http://schemas.microsoft.com/office/mac/drawingml/2011/main" xmlns="" val="1"/>
+              <ma14:wrappingTextBoxFlag xmlns="" xmlns:ma14="http://schemas.microsoft.com/office/mac/drawingml/2011/main" val="1"/>
             </a:ext>
           </a:extLst>
         </p:spPr>
@@ -7296,7 +7296,7 @@
           </a:ln>
           <a:extLst>
             <a:ext uri="{C572A759-6A51-4108-AA02-DFA0A04FC94B}">
-              <ma14:wrappingTextBoxFlag xmlns:ma14="http://schemas.microsoft.com/office/mac/drawingml/2011/main" xmlns="" val="1"/>
+              <ma14:wrappingTextBoxFlag xmlns="" xmlns:ma14="http://schemas.microsoft.com/office/mac/drawingml/2011/main" val="1"/>
             </a:ext>
           </a:extLst>
         </p:spPr>
@@ -7469,7 +7469,7 @@
           </a:ln>
           <a:extLst>
             <a:ext uri="{C572A759-6A51-4108-AA02-DFA0A04FC94B}">
-              <ma14:wrappingTextBoxFlag xmlns:ma14="http://schemas.microsoft.com/office/mac/drawingml/2011/main" xmlns="" val="1"/>
+              <ma14:wrappingTextBoxFlag xmlns="" xmlns:ma14="http://schemas.microsoft.com/office/mac/drawingml/2011/main" val="1"/>
             </a:ext>
           </a:extLst>
         </p:spPr>
@@ -7574,7 +7574,7 @@
           </a:ln>
           <a:extLst>
             <a:ext uri="{C572A759-6A51-4108-AA02-DFA0A04FC94B}">
-              <ma14:wrappingTextBoxFlag xmlns:ma14="http://schemas.microsoft.com/office/mac/drawingml/2011/main" xmlns="" val="1"/>
+              <ma14:wrappingTextBoxFlag xmlns="" xmlns:ma14="http://schemas.microsoft.com/office/mac/drawingml/2011/main" val="1"/>
             </a:ext>
           </a:extLst>
         </p:spPr>
@@ -7616,7 +7616,7 @@
           </a:ln>
           <a:extLst>
             <a:ext uri="{C572A759-6A51-4108-AA02-DFA0A04FC94B}">
-              <ma14:wrappingTextBoxFlag xmlns:ma14="http://schemas.microsoft.com/office/mac/drawingml/2011/main" xmlns="" val="1"/>
+              <ma14:wrappingTextBoxFlag xmlns="" xmlns:ma14="http://schemas.microsoft.com/office/mac/drawingml/2011/main" val="1"/>
             </a:ext>
           </a:extLst>
         </p:spPr>
@@ -7871,7 +7871,7 @@
           </a:prstGeom>
           <a:extLst>
             <a:ext uri="{C572A759-6A51-4108-AA02-DFA0A04FC94B}">
-              <ma14:wrappingTextBoxFlag xmlns:ma14="http://schemas.microsoft.com/office/mac/drawingml/2011/main" xmlns="" val="1"/>
+              <ma14:wrappingTextBoxFlag xmlns="" xmlns:ma14="http://schemas.microsoft.com/office/mac/drawingml/2011/main" val="1"/>
             </a:ext>
           </a:extLst>
         </p:spPr>
@@ -7907,7 +7907,7 @@
           </a:ln>
           <a:extLst>
             <a:ext uri="{C572A759-6A51-4108-AA02-DFA0A04FC94B}">
-              <ma14:wrappingTextBoxFlag xmlns:ma14="http://schemas.microsoft.com/office/mac/drawingml/2011/main" xmlns="" val="1"/>
+              <ma14:wrappingTextBoxFlag xmlns="" xmlns:ma14="http://schemas.microsoft.com/office/mac/drawingml/2011/main" val="1"/>
             </a:ext>
           </a:extLst>
         </p:spPr>
